--- a/figures.pptx
+++ b/figures.pptx
@@ -6172,105 +6172,6 @@
           <a:chExt cx="0" cy="0"/>
         </a:xfrm>
       </p:grpSpPr>
-      <p:sp>
-        <p:nvSpPr>
-          <p:cNvPr id="7" name="TextBox 6">
-            <a:extLst>
-              <a:ext uri="{FF2B5EF4-FFF2-40B4-BE49-F238E27FC236}">
-                <a16:creationId xmlns:a16="http://schemas.microsoft.com/office/drawing/2014/main" id="{4E9AC9D8-197A-3D07-BB2E-4007DFBE600A}"/>
-              </a:ext>
-            </a:extLst>
-          </p:cNvPr>
-          <p:cNvSpPr txBox="1"/>
-          <p:nvPr/>
-        </p:nvSpPr>
-        <p:spPr>
-          <a:xfrm>
-            <a:off x="6052586" y="1153114"/>
-            <a:ext cx="481222" cy="707886"/>
-          </a:xfrm>
-          <a:prstGeom prst="rect">
-            <a:avLst/>
-          </a:prstGeom>
-          <a:noFill/>
-        </p:spPr>
-        <p:txBody>
-          <a:bodyPr wrap="none" rtlCol="0">
-            <a:spAutoFit/>
-          </a:bodyPr>
-          <a:lstStyle/>
-          <a:p>
-            <a:r>
-              <a:rPr lang="en-US" sz="4000" dirty="0"/>
-              <a:t>A</a:t>
-            </a:r>
-          </a:p>
-        </p:txBody>
-      </p:sp>
-      <p:sp>
-        <p:nvSpPr>
-          <p:cNvPr id="8" name="TextBox 7">
-            <a:extLst>
-              <a:ext uri="{FF2B5EF4-FFF2-40B4-BE49-F238E27FC236}">
-                <a16:creationId xmlns:a16="http://schemas.microsoft.com/office/drawing/2014/main" id="{60A81BC1-3370-08A3-31F1-3942970BFB50}"/>
-              </a:ext>
-            </a:extLst>
-          </p:cNvPr>
-          <p:cNvSpPr txBox="1"/>
-          <p:nvPr/>
-        </p:nvSpPr>
-        <p:spPr>
-          <a:xfrm>
-            <a:off x="10472232" y="1153114"/>
-            <a:ext cx="463588" cy="707886"/>
-          </a:xfrm>
-          <a:prstGeom prst="rect">
-            <a:avLst/>
-          </a:prstGeom>
-          <a:noFill/>
-        </p:spPr>
-        <p:txBody>
-          <a:bodyPr wrap="none" rtlCol="0">
-            <a:spAutoFit/>
-          </a:bodyPr>
-          <a:lstStyle/>
-          <a:p>
-            <a:r>
-              <a:rPr lang="en-US" sz="4000" dirty="0"/>
-              <a:t>B</a:t>
-            </a:r>
-          </a:p>
-        </p:txBody>
-      </p:sp>
-      <p:pic>
-        <p:nvPicPr>
-          <p:cNvPr id="4" name="Picture 3">
-            <a:extLst>
-              <a:ext uri="{FF2B5EF4-FFF2-40B4-BE49-F238E27FC236}">
-                <a16:creationId xmlns:a16="http://schemas.microsoft.com/office/drawing/2014/main" id="{3BCE2487-E292-F31F-61DD-08C6AC505B48}"/>
-              </a:ext>
-            </a:extLst>
-          </p:cNvPr>
-          <p:cNvPicPr>
-            <a:picLocks noChangeAspect="1"/>
-          </p:cNvPicPr>
-          <p:nvPr/>
-        </p:nvPicPr>
-        <p:blipFill rotWithShape="1">
-          <a:blip r:embed="rId2"/>
-          <a:srcRect t="91994"/>
-          <a:stretch/>
-        </p:blipFill>
-        <p:spPr>
-          <a:xfrm>
-            <a:off x="4038134" y="4593977"/>
-            <a:ext cx="9474665" cy="362383"/>
-          </a:xfrm>
-          <a:prstGeom prst="rect">
-            <a:avLst/>
-          </a:prstGeom>
-        </p:spPr>
-      </p:pic>
     </p:spTree>
     <p:extLst>
       <p:ext uri="{BB962C8B-B14F-4D97-AF65-F5344CB8AC3E}">
